--- a/05-Git/Git.pptx
+++ b/05-Git/Git.pptx
@@ -30,8 +30,8 @@
     <p:sldId id="310" r:id="rId21"/>
     <p:sldId id="331" r:id="rId22"/>
     <p:sldId id="309" r:id="rId23"/>
-    <p:sldId id="312" r:id="rId24"/>
-    <p:sldId id="321" r:id="rId25"/>
+    <p:sldId id="321" r:id="rId24"/>
+    <p:sldId id="312" r:id="rId25"/>
   </p:sldIdLst>
   <p:sldSz cx="9144000" cy="6858000" type="screen4x3"/>
   <p:notesSz cx="6858000" cy="9144000"/>
@@ -215,7 +215,7 @@
           <a:p>
             <a:fld id="{16E5F246-0B7D-44DF-8C1B-EDFCA5DA626A}" type="datetimeFigureOut">
               <a:rPr lang="ru-RU" smtClean="0"/>
-              <a:t>29.06.2014</a:t>
+              <a:t>02.07.2014</a:t>
             </a:fld>
             <a:endParaRPr lang="ru-RU"/>
           </a:p>
@@ -916,7 +916,7 @@
           <a:p>
             <a:fld id="{ED7A5A9E-355E-4F5A-82F5-195339D13266}" type="datetimeFigureOut">
               <a:rPr lang="ru-RU" smtClean="0"/>
-              <a:t>29.06.2014</a:t>
+              <a:t>02.07.2014</a:t>
             </a:fld>
             <a:endParaRPr lang="ru-RU"/>
           </a:p>
@@ -1086,7 +1086,7 @@
           <a:p>
             <a:fld id="{ED7A5A9E-355E-4F5A-82F5-195339D13266}" type="datetimeFigureOut">
               <a:rPr lang="ru-RU" smtClean="0"/>
-              <a:t>29.06.2014</a:t>
+              <a:t>02.07.2014</a:t>
             </a:fld>
             <a:endParaRPr lang="ru-RU"/>
           </a:p>
@@ -1266,7 +1266,7 @@
           <a:p>
             <a:fld id="{ED7A5A9E-355E-4F5A-82F5-195339D13266}" type="datetimeFigureOut">
               <a:rPr lang="ru-RU" smtClean="0"/>
-              <a:t>29.06.2014</a:t>
+              <a:t>02.07.2014</a:t>
             </a:fld>
             <a:endParaRPr lang="ru-RU"/>
           </a:p>
@@ -1436,7 +1436,7 @@
           <a:p>
             <a:fld id="{ED7A5A9E-355E-4F5A-82F5-195339D13266}" type="datetimeFigureOut">
               <a:rPr lang="ru-RU" smtClean="0"/>
-              <a:t>29.06.2014</a:t>
+              <a:t>02.07.2014</a:t>
             </a:fld>
             <a:endParaRPr lang="ru-RU"/>
           </a:p>
@@ -1682,7 +1682,7 @@
           <a:p>
             <a:fld id="{ED7A5A9E-355E-4F5A-82F5-195339D13266}" type="datetimeFigureOut">
               <a:rPr lang="ru-RU" smtClean="0"/>
-              <a:t>29.06.2014</a:t>
+              <a:t>02.07.2014</a:t>
             </a:fld>
             <a:endParaRPr lang="ru-RU"/>
           </a:p>
@@ -1970,7 +1970,7 @@
           <a:p>
             <a:fld id="{ED7A5A9E-355E-4F5A-82F5-195339D13266}" type="datetimeFigureOut">
               <a:rPr lang="ru-RU" smtClean="0"/>
-              <a:t>29.06.2014</a:t>
+              <a:t>02.07.2014</a:t>
             </a:fld>
             <a:endParaRPr lang="ru-RU"/>
           </a:p>
@@ -2392,7 +2392,7 @@
           <a:p>
             <a:fld id="{ED7A5A9E-355E-4F5A-82F5-195339D13266}" type="datetimeFigureOut">
               <a:rPr lang="ru-RU" smtClean="0"/>
-              <a:t>29.06.2014</a:t>
+              <a:t>02.07.2014</a:t>
             </a:fld>
             <a:endParaRPr lang="ru-RU"/>
           </a:p>
@@ -2510,7 +2510,7 @@
           <a:p>
             <a:fld id="{ED7A5A9E-355E-4F5A-82F5-195339D13266}" type="datetimeFigureOut">
               <a:rPr lang="ru-RU" smtClean="0"/>
-              <a:t>29.06.2014</a:t>
+              <a:t>02.07.2014</a:t>
             </a:fld>
             <a:endParaRPr lang="ru-RU"/>
           </a:p>
@@ -2605,7 +2605,7 @@
           <a:p>
             <a:fld id="{ED7A5A9E-355E-4F5A-82F5-195339D13266}" type="datetimeFigureOut">
               <a:rPr lang="ru-RU" smtClean="0"/>
-              <a:t>29.06.2014</a:t>
+              <a:t>02.07.2014</a:t>
             </a:fld>
             <a:endParaRPr lang="ru-RU"/>
           </a:p>
@@ -2882,7 +2882,7 @@
           <a:p>
             <a:fld id="{ED7A5A9E-355E-4F5A-82F5-195339D13266}" type="datetimeFigureOut">
               <a:rPr lang="ru-RU" smtClean="0"/>
-              <a:t>29.06.2014</a:t>
+              <a:t>02.07.2014</a:t>
             </a:fld>
             <a:endParaRPr lang="ru-RU"/>
           </a:p>
@@ -3135,7 +3135,7 @@
           <a:p>
             <a:fld id="{ED7A5A9E-355E-4F5A-82F5-195339D13266}" type="datetimeFigureOut">
               <a:rPr lang="ru-RU" smtClean="0"/>
-              <a:t>29.06.2014</a:t>
+              <a:t>02.07.2014</a:t>
             </a:fld>
             <a:endParaRPr lang="ru-RU"/>
           </a:p>
@@ -3348,7 +3348,7 @@
           <a:p>
             <a:fld id="{ED7A5A9E-355E-4F5A-82F5-195339D13266}" type="datetimeFigureOut">
               <a:rPr lang="ru-RU" smtClean="0"/>
-              <a:t>29.06.2014</a:t>
+              <a:t>02.07.2014</a:t>
             </a:fld>
             <a:endParaRPr lang="ru-RU"/>
           </a:p>
@@ -6297,7 +6297,6 @@
               <a:rPr lang="en-US" sz="3600" dirty="0" smtClean="0"/>
               <a:t>Tree</a:t>
             </a:r>
-            <a:endParaRPr lang="en-US" sz="3600" dirty="0" smtClean="0"/>
           </a:p>
           <a:p>
             <a:pPr lvl="1">
@@ -7752,7 +7751,17 @@
                   </a:schemeClr>
                 </a:solidFill>
               </a:rPr>
-              <a:t>merge </a:t>
+              <a:t>merge &lt;</a:t>
+            </a:r>
+            <a:r>
+              <a:rPr lang="en-US" b="1" dirty="0" err="1" smtClean="0">
+                <a:solidFill>
+                  <a:schemeClr val="accent2">
+                    <a:lumMod val="50000"/>
+                  </a:schemeClr>
+                </a:solidFill>
+              </a:rPr>
+              <a:t>commit|branch</a:t>
             </a:r>
             <a:r>
               <a:rPr lang="en-US" b="1" dirty="0" smtClean="0">
@@ -7762,7 +7771,22 @@
                   </a:schemeClr>
                 </a:solidFill>
               </a:rPr>
-              <a:t>&lt;</a:t>
+              <a:t>&gt;</a:t>
+            </a:r>
+          </a:p>
+          <a:p>
+            <a:pPr marL="0" indent="0">
+              <a:buNone/>
+            </a:pPr>
+            <a:r>
+              <a:rPr lang="en-US" b="1" dirty="0" smtClean="0">
+                <a:solidFill>
+                  <a:schemeClr val="accent2">
+                    <a:lumMod val="50000"/>
+                  </a:schemeClr>
+                </a:solidFill>
+              </a:rPr>
+              <a:t>$ </a:t>
             </a:r>
             <a:r>
               <a:rPr lang="en-US" b="1" dirty="0" err="1" smtClean="0">
@@ -7772,7 +7796,7 @@
                   </a:schemeClr>
                 </a:solidFill>
               </a:rPr>
-              <a:t>commit|branch</a:t>
+              <a:t>git</a:t>
             </a:r>
             <a:r>
               <a:rPr lang="en-US" b="1" dirty="0" smtClean="0">
@@ -7782,15 +7806,8 @@
                   </a:schemeClr>
                 </a:solidFill>
               </a:rPr>
-              <a:t>&gt;</a:t>
-            </a:r>
-            <a:endParaRPr lang="en-US" b="1" dirty="0" smtClean="0">
-              <a:solidFill>
-                <a:schemeClr val="accent2">
-                  <a:lumMod val="50000"/>
-                </a:schemeClr>
-              </a:solidFill>
-            </a:endParaRPr>
+              <a:t> help rebase</a:t>
+            </a:r>
           </a:p>
           <a:p>
             <a:pPr marL="0" indent="0">
@@ -7807,7 +7824,7 @@
               <a:t>$ </a:t>
             </a:r>
             <a:r>
-              <a:rPr lang="en-US" b="1" dirty="0" err="1" smtClean="0">
+              <a:rPr lang="en-US" b="1" dirty="0" err="1">
                 <a:solidFill>
                   <a:schemeClr val="accent2">
                     <a:lumMod val="50000"/>
@@ -7817,6 +7834,16 @@
               <a:t>git</a:t>
             </a:r>
             <a:r>
+              <a:rPr lang="en-US" b="1" dirty="0">
+                <a:solidFill>
+                  <a:schemeClr val="accent2">
+                    <a:lumMod val="50000"/>
+                  </a:schemeClr>
+                </a:solidFill>
+              </a:rPr>
+              <a:t> </a:t>
+            </a:r>
+            <a:r>
               <a:rPr lang="en-US" b="1" dirty="0" smtClean="0">
                 <a:solidFill>
                   <a:schemeClr val="accent2">
@@ -7824,79 +7851,7 @@
                   </a:schemeClr>
                 </a:solidFill>
               </a:rPr>
-              <a:t> </a:t>
-            </a:r>
-            <a:r>
-              <a:rPr lang="en-US" b="1" dirty="0" smtClean="0">
-                <a:solidFill>
-                  <a:schemeClr val="accent2">
-                    <a:lumMod val="50000"/>
-                  </a:schemeClr>
-                </a:solidFill>
-              </a:rPr>
-              <a:t>help rebase</a:t>
-            </a:r>
-            <a:endParaRPr lang="en-US" b="1" dirty="0" smtClean="0">
-              <a:solidFill>
-                <a:schemeClr val="accent2">
-                  <a:lumMod val="50000"/>
-                </a:schemeClr>
-              </a:solidFill>
-            </a:endParaRPr>
-          </a:p>
-          <a:p>
-            <a:pPr marL="0" indent="0">
-              <a:buNone/>
-            </a:pPr>
-            <a:r>
-              <a:rPr lang="en-US" b="1" dirty="0" smtClean="0">
-                <a:solidFill>
-                  <a:schemeClr val="accent2">
-                    <a:lumMod val="50000"/>
-                  </a:schemeClr>
-                </a:solidFill>
-              </a:rPr>
-              <a:t>$ </a:t>
-            </a:r>
-            <a:r>
-              <a:rPr lang="en-US" b="1" dirty="0" err="1">
-                <a:solidFill>
-                  <a:schemeClr val="accent2">
-                    <a:lumMod val="50000"/>
-                  </a:schemeClr>
-                </a:solidFill>
-              </a:rPr>
-              <a:t>git</a:t>
-            </a:r>
-            <a:r>
-              <a:rPr lang="en-US" b="1" dirty="0">
-                <a:solidFill>
-                  <a:schemeClr val="accent2">
-                    <a:lumMod val="50000"/>
-                  </a:schemeClr>
-                </a:solidFill>
-              </a:rPr>
-              <a:t> </a:t>
-            </a:r>
-            <a:r>
-              <a:rPr lang="en-US" b="1" dirty="0" smtClean="0">
-                <a:solidFill>
-                  <a:schemeClr val="accent2">
-                    <a:lumMod val="50000"/>
-                  </a:schemeClr>
-                </a:solidFill>
-              </a:rPr>
-              <a:t>rebase </a:t>
-            </a:r>
-            <a:r>
-              <a:rPr lang="en-US" b="1" dirty="0" smtClean="0">
-                <a:solidFill>
-                  <a:schemeClr val="accent2">
-                    <a:lumMod val="50000"/>
-                  </a:schemeClr>
-                </a:solidFill>
-              </a:rPr>
-              <a:t>&lt;</a:t>
+              <a:t>rebase &lt;</a:t>
             </a:r>
             <a:r>
               <a:rPr lang="en-US" b="1" dirty="0" err="1" smtClean="0">
@@ -9116,12 +9071,14 @@
         </p:nvSpPr>
         <p:spPr/>
         <p:txBody>
-          <a:bodyPr/>
+          <a:bodyPr>
+            <a:normAutofit/>
+          </a:bodyPr>
           <a:lstStyle/>
           <a:p>
             <a:r>
               <a:rPr lang="ru-RU" dirty="0" smtClean="0"/>
-              <a:t>Игра</a:t>
+              <a:t>Что читать?</a:t>
             </a:r>
             <a:endParaRPr lang="ru-RU" dirty="0"/>
           </a:p>
@@ -9142,15 +9099,181 @@
           <a:bodyPr/>
           <a:lstStyle/>
           <a:p>
+            <a:r>
+              <a:rPr lang="en-US" b="1" dirty="0">
+                <a:solidFill>
+                  <a:schemeClr val="accent2">
+                    <a:lumMod val="50000"/>
+                  </a:schemeClr>
+                </a:solidFill>
+                <a:latin typeface="Consolas" panose="020B0609020204030204" pitchFamily="49" charset="0"/>
+                <a:cs typeface="Consolas" panose="020B0609020204030204" pitchFamily="49" charset="0"/>
+              </a:rPr>
+              <a:t>$ </a:t>
+            </a:r>
+            <a:r>
+              <a:rPr lang="en-US" b="1" dirty="0" err="1" smtClean="0">
+                <a:solidFill>
+                  <a:schemeClr val="accent2">
+                    <a:lumMod val="50000"/>
+                  </a:schemeClr>
+                </a:solidFill>
+                <a:latin typeface="Consolas" panose="020B0609020204030204" pitchFamily="49" charset="0"/>
+                <a:cs typeface="Consolas" panose="020B0609020204030204" pitchFamily="49" charset="0"/>
+              </a:rPr>
+              <a:t>git</a:t>
+            </a:r>
+            <a:r>
+              <a:rPr lang="en-US" b="1" dirty="0" smtClean="0">
+                <a:solidFill>
+                  <a:schemeClr val="accent2">
+                    <a:lumMod val="50000"/>
+                  </a:schemeClr>
+                </a:solidFill>
+                <a:latin typeface="Consolas" panose="020B0609020204030204" pitchFamily="49" charset="0"/>
+                <a:cs typeface="Consolas" panose="020B0609020204030204" pitchFamily="49" charset="0"/>
+              </a:rPr>
+              <a:t> help &lt;command&gt;</a:t>
+            </a:r>
+          </a:p>
+          <a:p>
+            <a:r>
+              <a:rPr lang="en-US" dirty="0" err="1" smtClean="0">
+                <a:solidFill>
+                  <a:schemeClr val="accent2">
+                    <a:lumMod val="50000"/>
+                  </a:schemeClr>
+                </a:solidFill>
+                <a:latin typeface="Consolas" panose="020B0609020204030204" pitchFamily="49" charset="0"/>
+                <a:cs typeface="Consolas" panose="020B0609020204030204" pitchFamily="49" charset="0"/>
+                <a:hlinkClick r:id="rId2"/>
+              </a:rPr>
+              <a:t>Git</a:t>
+            </a:r>
+            <a:r>
+              <a:rPr lang="en-US" dirty="0" smtClean="0">
+                <a:solidFill>
+                  <a:schemeClr val="accent2">
+                    <a:lumMod val="50000"/>
+                  </a:schemeClr>
+                </a:solidFill>
+                <a:latin typeface="Consolas" panose="020B0609020204030204" pitchFamily="49" charset="0"/>
+                <a:cs typeface="Consolas" panose="020B0609020204030204" pitchFamily="49" charset="0"/>
+                <a:hlinkClick r:id="rId2"/>
+              </a:rPr>
+              <a:t>:</a:t>
+            </a:r>
+            <a:r>
+              <a:rPr lang="ru-RU" dirty="0" smtClean="0">
+                <a:solidFill>
+                  <a:schemeClr val="accent2">
+                    <a:lumMod val="50000"/>
+                  </a:schemeClr>
+                </a:solidFill>
+                <a:latin typeface="Consolas" panose="020B0609020204030204" pitchFamily="49" charset="0"/>
+                <a:cs typeface="Consolas" panose="020B0609020204030204" pitchFamily="49" charset="0"/>
+                <a:hlinkClick r:id="rId2"/>
+              </a:rPr>
+              <a:t> наглядная справка</a:t>
+            </a:r>
+            <a:r>
+              <a:rPr lang="en-US" dirty="0"/>
+              <a:t> (</a:t>
+            </a:r>
+            <a:r>
+              <a:rPr lang="en-US" dirty="0" err="1"/>
+              <a:t>ru</a:t>
+            </a:r>
+            <a:r>
+              <a:rPr lang="en-US" dirty="0"/>
+              <a:t>)</a:t>
+            </a:r>
+            <a:endParaRPr lang="en-US" dirty="0">
+              <a:solidFill>
+                <a:schemeClr val="accent2">
+                  <a:lumMod val="50000"/>
+                </a:schemeClr>
+              </a:solidFill>
+              <a:latin typeface="Consolas" panose="020B0609020204030204" pitchFamily="49" charset="0"/>
+              <a:cs typeface="Consolas" panose="020B0609020204030204" pitchFamily="49" charset="0"/>
+              <a:hlinkClick r:id="rId2"/>
+            </a:endParaRPr>
+          </a:p>
+          <a:p>
+            <a:r>
+              <a:rPr lang="en-US" dirty="0" smtClean="0">
+                <a:hlinkClick r:id="rId2"/>
+              </a:rPr>
+              <a:t>Pro </a:t>
+            </a:r>
+            <a:r>
+              <a:rPr lang="en-US" dirty="0" err="1" smtClean="0">
+                <a:hlinkClick r:id="rId2"/>
+              </a:rPr>
+              <a:t>Git</a:t>
+            </a:r>
+            <a:r>
+              <a:rPr lang="en-US" dirty="0" smtClean="0">
+                <a:hlinkClick r:id="rId2"/>
+              </a:rPr>
+              <a:t> Book</a:t>
+            </a:r>
+            <a:r>
+              <a:rPr lang="en-US" dirty="0" smtClean="0"/>
+              <a:t> (</a:t>
+            </a:r>
+            <a:r>
+              <a:rPr lang="en-US" dirty="0" err="1" smtClean="0"/>
+              <a:t>ru</a:t>
+            </a:r>
+            <a:r>
+              <a:rPr lang="en-US" dirty="0" smtClean="0"/>
+              <a:t>)</a:t>
+            </a:r>
+            <a:endParaRPr lang="ru-RU" dirty="0" smtClean="0"/>
+          </a:p>
+          <a:p>
+            <a:r>
+              <a:rPr lang="en-US" dirty="0">
+                <a:hlinkClick r:id="rId3"/>
+              </a:rPr>
+              <a:t>Tech Talk: Linus Torvalds on </a:t>
+            </a:r>
+            <a:r>
+              <a:rPr lang="en-US" dirty="0" err="1" smtClean="0">
+                <a:hlinkClick r:id="rId3"/>
+              </a:rPr>
+              <a:t>git</a:t>
+            </a:r>
+            <a:r>
+              <a:rPr lang="en-US" dirty="0" smtClean="0"/>
+              <a:t> </a:t>
+            </a:r>
+            <a:r>
+              <a:rPr lang="en-US" dirty="0"/>
+              <a:t>(video</a:t>
+            </a:r>
+            <a:r>
+              <a:rPr lang="en-US" dirty="0" smtClean="0"/>
+              <a:t>)</a:t>
+            </a:r>
+          </a:p>
+          <a:p>
+            <a:r>
+              <a:rPr lang="en-US" dirty="0">
+                <a:hlinkClick r:id="rId4"/>
+              </a:rPr>
+              <a:t>http://pcottle.github.io/learnGitBranching/</a:t>
+            </a:r>
+            <a:endParaRPr lang="ru-RU" dirty="0"/>
+          </a:p>
+          <a:p>
+            <a:endParaRPr lang="en-US" dirty="0"/>
+          </a:p>
+          <a:p>
             <a:pPr marL="0" indent="0">
               <a:buNone/>
             </a:pPr>
-            <a:r>
-              <a:rPr lang="en-US" dirty="0">
-                <a:hlinkClick r:id="rId2"/>
-              </a:rPr>
-              <a:t>http://pcottle.github.io/learnGitBranching/</a:t>
-            </a:r>
             <a:endParaRPr lang="ru-RU" dirty="0"/>
           </a:p>
         </p:txBody>
@@ -9158,7 +9281,7 @@
     </p:spTree>
     <p:extLst>
       <p:ext uri="{BB962C8B-B14F-4D97-AF65-F5344CB8AC3E}">
-        <p14:creationId xmlns:p14="http://schemas.microsoft.com/office/powerpoint/2010/main" val="323399622"/>
+        <p14:creationId xmlns:p14="http://schemas.microsoft.com/office/powerpoint/2010/main" val="2225737966"/>
       </p:ext>
     </p:extLst>
   </p:cSld>
@@ -9204,14 +9327,12 @@
         </p:nvSpPr>
         <p:spPr/>
         <p:txBody>
-          <a:bodyPr>
-            <a:normAutofit/>
-          </a:bodyPr>
+          <a:bodyPr/>
           <a:lstStyle/>
           <a:p>
             <a:r>
               <a:rPr lang="ru-RU" dirty="0" smtClean="0"/>
-              <a:t>Что читать?</a:t>
+              <a:t>Игра</a:t>
             </a:r>
             <a:endParaRPr lang="ru-RU" dirty="0"/>
           </a:p>
@@ -9232,193 +9353,15 @@
           <a:bodyPr/>
           <a:lstStyle/>
           <a:p>
-            <a:r>
-              <a:rPr lang="en-US" b="1" dirty="0">
-                <a:solidFill>
-                  <a:schemeClr val="accent2">
-                    <a:lumMod val="50000"/>
-                  </a:schemeClr>
-                </a:solidFill>
-                <a:latin typeface="Consolas" panose="020B0609020204030204" pitchFamily="49" charset="0"/>
-                <a:cs typeface="Consolas" panose="020B0609020204030204" pitchFamily="49" charset="0"/>
-              </a:rPr>
-              <a:t>$ </a:t>
-            </a:r>
-            <a:r>
-              <a:rPr lang="en-US" b="1" dirty="0" err="1" smtClean="0">
-                <a:solidFill>
-                  <a:schemeClr val="accent2">
-                    <a:lumMod val="50000"/>
-                  </a:schemeClr>
-                </a:solidFill>
-                <a:latin typeface="Consolas" panose="020B0609020204030204" pitchFamily="49" charset="0"/>
-                <a:cs typeface="Consolas" panose="020B0609020204030204" pitchFamily="49" charset="0"/>
-              </a:rPr>
-              <a:t>git</a:t>
-            </a:r>
-            <a:r>
-              <a:rPr lang="en-US" b="1" dirty="0" smtClean="0">
-                <a:solidFill>
-                  <a:schemeClr val="accent2">
-                    <a:lumMod val="50000"/>
-                  </a:schemeClr>
-                </a:solidFill>
-                <a:latin typeface="Consolas" panose="020B0609020204030204" pitchFamily="49" charset="0"/>
-                <a:cs typeface="Consolas" panose="020B0609020204030204" pitchFamily="49" charset="0"/>
-              </a:rPr>
-              <a:t> help &lt;command</a:t>
-            </a:r>
-            <a:r>
-              <a:rPr lang="en-US" b="1" dirty="0" smtClean="0">
-                <a:solidFill>
-                  <a:schemeClr val="accent2">
-                    <a:lumMod val="50000"/>
-                  </a:schemeClr>
-                </a:solidFill>
-                <a:latin typeface="Consolas" panose="020B0609020204030204" pitchFamily="49" charset="0"/>
-                <a:cs typeface="Consolas" panose="020B0609020204030204" pitchFamily="49" charset="0"/>
-              </a:rPr>
-              <a:t>&gt;</a:t>
-            </a:r>
-          </a:p>
-          <a:p>
-            <a:r>
-              <a:rPr lang="en-US" dirty="0" err="1" smtClean="0">
-                <a:solidFill>
-                  <a:schemeClr val="accent2">
-                    <a:lumMod val="50000"/>
-                  </a:schemeClr>
-                </a:solidFill>
-                <a:latin typeface="Consolas" panose="020B0609020204030204" pitchFamily="49" charset="0"/>
-                <a:cs typeface="Consolas" panose="020B0609020204030204" pitchFamily="49" charset="0"/>
+            <a:pPr marL="0" indent="0">
+              <a:buNone/>
+            </a:pPr>
+            <a:r>
+              <a:rPr lang="en-US" dirty="0">
                 <a:hlinkClick r:id="rId2"/>
               </a:rPr>
-              <a:t>Git</a:t>
-            </a:r>
-            <a:r>
-              <a:rPr lang="en-US" dirty="0" smtClean="0">
-                <a:solidFill>
-                  <a:schemeClr val="accent2">
-                    <a:lumMod val="50000"/>
-                  </a:schemeClr>
-                </a:solidFill>
-                <a:latin typeface="Consolas" panose="020B0609020204030204" pitchFamily="49" charset="0"/>
-                <a:cs typeface="Consolas" panose="020B0609020204030204" pitchFamily="49" charset="0"/>
-                <a:hlinkClick r:id="rId2"/>
-              </a:rPr>
-              <a:t>:</a:t>
-            </a:r>
-            <a:r>
-              <a:rPr lang="ru-RU" dirty="0" smtClean="0">
-                <a:solidFill>
-                  <a:schemeClr val="accent2">
-                    <a:lumMod val="50000"/>
-                  </a:schemeClr>
-                </a:solidFill>
-                <a:latin typeface="Consolas" panose="020B0609020204030204" pitchFamily="49" charset="0"/>
-                <a:cs typeface="Consolas" panose="020B0609020204030204" pitchFamily="49" charset="0"/>
-                <a:hlinkClick r:id="rId2"/>
-              </a:rPr>
-              <a:t> наглядная справка</a:t>
-            </a:r>
-            <a:r>
-              <a:rPr lang="en-US" dirty="0"/>
-              <a:t> (</a:t>
-            </a:r>
-            <a:r>
-              <a:rPr lang="en-US" dirty="0" err="1"/>
-              <a:t>ru</a:t>
-            </a:r>
-            <a:r>
-              <a:rPr lang="en-US" dirty="0"/>
-              <a:t>)</a:t>
-            </a:r>
-            <a:endParaRPr lang="en-US" dirty="0">
-              <a:solidFill>
-                <a:schemeClr val="accent2">
-                  <a:lumMod val="50000"/>
-                </a:schemeClr>
-              </a:solidFill>
-              <a:latin typeface="Consolas" panose="020B0609020204030204" pitchFamily="49" charset="0"/>
-              <a:cs typeface="Consolas" panose="020B0609020204030204" pitchFamily="49" charset="0"/>
-              <a:hlinkClick r:id="rId2"/>
-            </a:endParaRPr>
-          </a:p>
-          <a:p>
-            <a:r>
-              <a:rPr lang="en-US" dirty="0" smtClean="0">
-                <a:hlinkClick r:id="rId2"/>
-              </a:rPr>
-              <a:t>Pro </a:t>
-            </a:r>
-            <a:r>
-              <a:rPr lang="en-US" dirty="0" err="1" smtClean="0">
-                <a:hlinkClick r:id="rId2"/>
-              </a:rPr>
-              <a:t>Git</a:t>
-            </a:r>
-            <a:r>
-              <a:rPr lang="en-US" dirty="0" smtClean="0">
-                <a:hlinkClick r:id="rId2"/>
-              </a:rPr>
-              <a:t> Book</a:t>
-            </a:r>
-            <a:r>
-              <a:rPr lang="en-US" dirty="0" smtClean="0"/>
-              <a:t> (</a:t>
-            </a:r>
-            <a:r>
-              <a:rPr lang="en-US" dirty="0" err="1" smtClean="0"/>
-              <a:t>ru</a:t>
-            </a:r>
-            <a:r>
-              <a:rPr lang="en-US" dirty="0" smtClean="0"/>
-              <a:t>)</a:t>
-            </a:r>
-            <a:endParaRPr lang="ru-RU" dirty="0" smtClean="0"/>
-          </a:p>
-          <a:p>
-            <a:r>
-              <a:rPr lang="en-US" dirty="0">
-                <a:hlinkClick r:id="rId3"/>
-              </a:rPr>
-              <a:t>Tech Talk: Linus Torvalds on </a:t>
-            </a:r>
-            <a:r>
-              <a:rPr lang="en-US" dirty="0" err="1" smtClean="0">
-                <a:hlinkClick r:id="rId3"/>
-              </a:rPr>
-              <a:t>git</a:t>
-            </a:r>
-            <a:r>
-              <a:rPr lang="en-US" dirty="0" smtClean="0"/>
-              <a:t> </a:t>
-            </a:r>
-            <a:r>
-              <a:rPr lang="en-US" dirty="0"/>
-              <a:t>(video</a:t>
-            </a:r>
-            <a:r>
-              <a:rPr lang="en-US" dirty="0" smtClean="0"/>
-              <a:t>)</a:t>
-            </a:r>
-          </a:p>
-          <a:p>
-            <a:r>
-              <a:rPr lang="en-US" dirty="0">
-                <a:hlinkClick r:id="rId4"/>
-              </a:rPr>
               <a:t>http://pcottle.github.io/learnGitBranching/</a:t>
             </a:r>
-            <a:endParaRPr lang="ru-RU" dirty="0"/>
-          </a:p>
-          <a:p>
-            <a:endParaRPr lang="en-US" dirty="0"/>
-          </a:p>
-          <a:p>
-            <a:pPr marL="0" indent="0">
-              <a:buNone/>
-            </a:pPr>
             <a:endParaRPr lang="ru-RU" dirty="0"/>
           </a:p>
         </p:txBody>
@@ -9426,7 +9369,7 @@
     </p:spTree>
     <p:extLst>
       <p:ext uri="{BB962C8B-B14F-4D97-AF65-F5344CB8AC3E}">
-        <p14:creationId xmlns:p14="http://schemas.microsoft.com/office/powerpoint/2010/main" val="2225737966"/>
+        <p14:creationId xmlns:p14="http://schemas.microsoft.com/office/powerpoint/2010/main" val="323399622"/>
       </p:ext>
     </p:extLst>
   </p:cSld>
@@ -11701,17 +11644,7 @@
                   </a:schemeClr>
                 </a:solidFill>
               </a:rPr>
-              <a:t> help &lt;command</a:t>
-            </a:r>
-            <a:r>
-              <a:rPr lang="en-US" b="1" dirty="0" smtClean="0">
-                <a:solidFill>
-                  <a:schemeClr val="accent2">
-                    <a:lumMod val="50000"/>
-                  </a:schemeClr>
-                </a:solidFill>
-              </a:rPr>
-              <a:t>&gt;</a:t>
+              <a:t> help &lt;command&gt;</a:t>
             </a:r>
             <a:endParaRPr lang="ru-RU" b="1" dirty="0" smtClean="0">
               <a:solidFill>
